--- a/Évaluation d'entraînement - BDD.pptx
+++ b/Évaluation d'entraînement - BDD.pptx
@@ -5,10 +5,10 @@
     <p:sldMasterId id="2147483684" r:id="rId4"/>
   </p:sldMasterIdLst>
   <p:notesMasterIdLst>
-    <p:notesMasterId r:id="rId22"/>
+    <p:notesMasterId r:id="rId23"/>
   </p:notesMasterIdLst>
   <p:handoutMasterIdLst>
-    <p:handoutMasterId r:id="rId23"/>
+    <p:handoutMasterId r:id="rId24"/>
   </p:handoutMasterIdLst>
   <p:sldIdLst>
     <p:sldId id="257" r:id="rId5"/>
@@ -27,7 +27,8 @@
     <p:sldId id="400" r:id="rId18"/>
     <p:sldId id="401" r:id="rId19"/>
     <p:sldId id="402" r:id="rId20"/>
-    <p:sldId id="391" r:id="rId21"/>
+    <p:sldId id="405" r:id="rId21"/>
+    <p:sldId id="391" r:id="rId22"/>
   </p:sldIdLst>
   <p:sldSz cx="12192000" cy="6858000"/>
   <p:notesSz cx="6858000" cy="9144000"/>
@@ -15360,7 +15361,7 @@
                 <a:latin typeface="Calibri" panose="020F0502020204030204" pitchFamily="34" charset="0"/>
                 <a:cs typeface="Times New Roman" panose="02020603050405020304" pitchFamily="18" charset="0"/>
               </a:rPr>
-              <a:t>Ecriture du modèle relationnel</a:t>
+              <a:t>Installation de MySQL</a:t>
             </a:r>
             <a:endParaRPr lang="fr-FR" dirty="0"/>
           </a:p>
@@ -15398,6 +15399,175 @@
       </p:grpSpPr>
       <p:sp>
         <p:nvSpPr>
+          <p:cNvPr id="16" name="Espace réservé du numéro de diapositive 15">
+            <a:extLst>
+              <a:ext uri="{FF2B5EF4-FFF2-40B4-BE49-F238E27FC236}">
+                <a16:creationId xmlns:a16="http://schemas.microsoft.com/office/drawing/2014/main" id="{3F8A62C8-5437-4C47-AC0F-0605F84CBA57}"/>
+              </a:ext>
+            </a:extLst>
+          </p:cNvPr>
+          <p:cNvSpPr>
+            <a:spLocks noGrp="1"/>
+          </p:cNvSpPr>
+          <p:nvPr>
+            <p:ph type="sldNum" sz="quarter" idx="12"/>
+          </p:nvPr>
+        </p:nvSpPr>
+        <p:spPr>
+          <a:xfrm>
+            <a:off x="9948863" y="6507212"/>
+            <a:ext cx="1692274" cy="153888"/>
+          </a:xfrm>
+        </p:spPr>
+        <p:txBody>
+          <a:bodyPr rtlCol="0"/>
+          <a:lstStyle/>
+          <a:p>
+            <a:pPr rtl="0"/>
+            <a:fld id="{DBA1B0FB-D917-4C8C-928F-313BD683BF39}" type="slidenum">
+              <a:rPr lang="fr-FR" smtClean="0"/>
+              <a:pPr rtl="0"/>
+              <a:t>17</a:t>
+            </a:fld>
+            <a:endParaRPr lang="fr-FR"/>
+          </a:p>
+        </p:txBody>
+      </p:sp>
+      <p:sp>
+        <p:nvSpPr>
+          <p:cNvPr id="7" name="Espace réservé du pied de page 2">
+            <a:extLst>
+              <a:ext uri="{FF2B5EF4-FFF2-40B4-BE49-F238E27FC236}">
+                <a16:creationId xmlns:a16="http://schemas.microsoft.com/office/drawing/2014/main" id="{E851EE7D-807E-D572-59C2-34DC6DFEBC8D}"/>
+              </a:ext>
+            </a:extLst>
+          </p:cNvPr>
+          <p:cNvSpPr>
+            <a:spLocks noGrp="1"/>
+          </p:cNvSpPr>
+          <p:nvPr>
+            <p:ph type="ftr" sz="quarter" idx="11"/>
+          </p:nvPr>
+        </p:nvSpPr>
+        <p:spPr>
+          <a:xfrm>
+            <a:off x="0" y="6420199"/>
+            <a:ext cx="12192000" cy="320962"/>
+          </a:xfrm>
+        </p:spPr>
+        <p:txBody>
+          <a:bodyPr rtlCol="0"/>
+          <a:lstStyle/>
+          <a:p>
+            <a:pPr algn="ctr" rtl="0"/>
+            <a:r>
+              <a:rPr lang="fr-FR" dirty="0"/>
+              <a:t>Évaluation d'entraînement - Créer et administrer une base de données</a:t>
+            </a:r>
+          </a:p>
+        </p:txBody>
+      </p:sp>
+      <p:sp>
+        <p:nvSpPr>
+          <p:cNvPr id="6" name="ZoneTexte 5">
+            <a:extLst>
+              <a:ext uri="{FF2B5EF4-FFF2-40B4-BE49-F238E27FC236}">
+                <a16:creationId xmlns:a16="http://schemas.microsoft.com/office/drawing/2014/main" id="{8C263C8D-E875-EB0A-7A8A-F2BD16EA423D}"/>
+              </a:ext>
+            </a:extLst>
+          </p:cNvPr>
+          <p:cNvSpPr txBox="1"/>
+          <p:nvPr/>
+        </p:nvSpPr>
+        <p:spPr>
+          <a:xfrm>
+            <a:off x="360218" y="515624"/>
+            <a:ext cx="6096000" cy="369332"/>
+          </a:xfrm>
+          <a:prstGeom prst="rect">
+            <a:avLst/>
+          </a:prstGeom>
+          <a:noFill/>
+        </p:spPr>
+        <p:txBody>
+          <a:bodyPr wrap="square">
+            <a:spAutoFit/>
+          </a:bodyPr>
+          <a:lstStyle/>
+          <a:p>
+            <a:r>
+              <a:rPr lang="fr-FR" sz="1800" b="1" dirty="0">
+                <a:latin typeface="Calibri" panose="020F0502020204030204" pitchFamily="34" charset="0"/>
+                <a:cs typeface="Times New Roman" panose="02020603050405020304" pitchFamily="18" charset="0"/>
+              </a:rPr>
+              <a:t>Export de ma base de données</a:t>
+            </a:r>
+            <a:endParaRPr lang="fr-FR" dirty="0"/>
+          </a:p>
+        </p:txBody>
+      </p:sp>
+      <p:pic>
+        <p:nvPicPr>
+          <p:cNvPr id="4" name="Image 3" descr="Une image contenant texte&#10;&#10;Description générée automatiquement">
+            <a:extLst>
+              <a:ext uri="{FF2B5EF4-FFF2-40B4-BE49-F238E27FC236}">
+                <a16:creationId xmlns:a16="http://schemas.microsoft.com/office/drawing/2014/main" id="{37EA1327-EF7B-470A-A8F1-BAD685E94F13}"/>
+              </a:ext>
+            </a:extLst>
+          </p:cNvPr>
+          <p:cNvPicPr>
+            <a:picLocks noChangeAspect="1"/>
+          </p:cNvPicPr>
+          <p:nvPr/>
+        </p:nvPicPr>
+        <p:blipFill>
+          <a:blip r:embed="rId2"/>
+          <a:stretch>
+            <a:fillRect/>
+          </a:stretch>
+        </p:blipFill>
+        <p:spPr>
+          <a:xfrm>
+            <a:off x="452487" y="971969"/>
+            <a:ext cx="9851915" cy="5277600"/>
+          </a:xfrm>
+          <a:prstGeom prst="rect">
+            <a:avLst/>
+          </a:prstGeom>
+        </p:spPr>
+      </p:pic>
+    </p:spTree>
+    <p:extLst>
+      <p:ext uri="{BB962C8B-B14F-4D97-AF65-F5344CB8AC3E}">
+        <p14:creationId xmlns:p14="http://schemas.microsoft.com/office/powerpoint/2010/main" val="2881681576"/>
+      </p:ext>
+    </p:extLst>
+  </p:cSld>
+  <p:clrMapOvr>
+    <a:masterClrMapping/>
+  </p:clrMapOvr>
+</p:sld>
+</file>
+
+<file path=ppt/slides/slide18.xml><?xml version="1.0" encoding="utf-8"?>
+<p:sld xmlns:a="http://schemas.openxmlformats.org/drawingml/2006/main" xmlns:r="http://schemas.openxmlformats.org/officeDocument/2006/relationships" xmlns:p="http://schemas.openxmlformats.org/presentationml/2006/main">
+  <p:cSld>
+    <p:spTree>
+      <p:nvGrpSpPr>
+        <p:cNvPr id="1" name=""/>
+        <p:cNvGrpSpPr/>
+        <p:nvPr/>
+      </p:nvGrpSpPr>
+      <p:grpSpPr>
+        <a:xfrm>
+          <a:off x="0" y="0"/>
+          <a:ext cx="0" cy="0"/>
+          <a:chOff x="0" y="0"/>
+          <a:chExt cx="0" cy="0"/>
+        </a:xfrm>
+      </p:grpSpPr>
+      <p:sp>
+        <p:nvSpPr>
           <p:cNvPr id="22" name="Titre 21">
             <a:extLst>
               <a:ext uri="{FF2B5EF4-FFF2-40B4-BE49-F238E27FC236}">
@@ -15528,7 +15698,7 @@
             <a:fld id="{DBA1B0FB-D917-4C8C-928F-313BD683BF39}" type="slidenum">
               <a:rPr lang="fr-FR" smtClean="0"/>
               <a:pPr rtl="0"/>
-              <a:t>17</a:t>
+              <a:t>18</a:t>
             </a:fld>
             <a:endParaRPr lang="fr-FR"/>
           </a:p>
@@ -20966,6 +21136,25 @@
 </file>
 
 <file path=customXml/item1.xml><?xml version="1.0" encoding="utf-8"?>
+<p:properties xmlns:p="http://schemas.microsoft.com/office/2006/metadata/properties" xmlns:xsi="http://www.w3.org/2001/XMLSchema-instance" xmlns:pc="http://schemas.microsoft.com/office/infopath/2007/PartnerControls">
+  <documentManagement>
+    <_ip_UnifiedCompliancePolicyUIAction xmlns="http://schemas.microsoft.com/sharepoint/v3" xsi:nil="true"/>
+    <Image xmlns="71af3243-3dd4-4a8d-8c0d-dd76da1f02a5">
+      <Url xsi:nil="true"/>
+      <Description xsi:nil="true"/>
+    </Image>
+    <Status xmlns="71af3243-3dd4-4a8d-8c0d-dd76da1f02a5">Not started</Status>
+    <_ip_UnifiedCompliancePolicyProperties xmlns="http://schemas.microsoft.com/sharepoint/v3" xsi:nil="true"/>
+    <lcf76f155ced4ddcb4097134ff3c332f xmlns="71af3243-3dd4-4a8d-8c0d-dd76da1f02a5">
+      <Terms xmlns="http://schemas.microsoft.com/office/infopath/2007/PartnerControls"/>
+    </lcf76f155ced4ddcb4097134ff3c332f>
+    <TaxCatchAll xmlns="230e9df3-be65-4c73-a93b-d1236ebd677e"/>
+    <MediaServiceKeyPoints xmlns="71af3243-3dd4-4a8d-8c0d-dd76da1f02a5" xsi:nil="true"/>
+  </documentManagement>
+</p:properties>
+</file>
+
+<file path=customXml/item2.xml><?xml version="1.0" encoding="utf-8"?>
 <ct:contentTypeSchema xmlns:ct="http://schemas.microsoft.com/office/2006/metadata/contentType" xmlns:ma="http://schemas.microsoft.com/office/2006/metadata/properties/metaAttributes" ct:_="" ma:_="" ma:contentTypeName="Document" ma:contentTypeID="0x01010079F111ED35F8CC479449609E8A0923A6" ma:contentTypeVersion="18" ma:contentTypeDescription="Create a new document." ma:contentTypeScope="" ma:versionID="22a266b9fa9a230c5a512669d8b298c3">
   <xsd:schema xmlns:xsd="http://www.w3.org/2001/XMLSchema" xmlns:xs="http://www.w3.org/2001/XMLSchema" xmlns:p="http://schemas.microsoft.com/office/2006/metadata/properties" xmlns:ns1="http://schemas.microsoft.com/sharepoint/v3" xmlns:ns2="71af3243-3dd4-4a8d-8c0d-dd76da1f02a5" xmlns:ns3="16c05727-aa75-4e4a-9b5f-8a80a1165891" xmlns:ns4="230e9df3-be65-4c73-a93b-d1236ebd677e" targetNamespace="http://schemas.microsoft.com/office/2006/metadata/properties" ma:root="true" ma:fieldsID="eddc33fff6b14141ee5c74a0d29ea6a1" ns1:_="" ns2:_="" ns3:_="" ns4:_="">
     <xsd:import namespace="http://schemas.microsoft.com/sharepoint/v3"/>
@@ -21241,25 +21430,6 @@
 </ct:contentTypeSchema>
 </file>
 
-<file path=customXml/item2.xml><?xml version="1.0" encoding="utf-8"?>
-<p:properties xmlns:p="http://schemas.microsoft.com/office/2006/metadata/properties" xmlns:xsi="http://www.w3.org/2001/XMLSchema-instance" xmlns:pc="http://schemas.microsoft.com/office/infopath/2007/PartnerControls">
-  <documentManagement>
-    <_ip_UnifiedCompliancePolicyUIAction xmlns="http://schemas.microsoft.com/sharepoint/v3" xsi:nil="true"/>
-    <Image xmlns="71af3243-3dd4-4a8d-8c0d-dd76da1f02a5">
-      <Url xsi:nil="true"/>
-      <Description xsi:nil="true"/>
-    </Image>
-    <Status xmlns="71af3243-3dd4-4a8d-8c0d-dd76da1f02a5">Not started</Status>
-    <_ip_UnifiedCompliancePolicyProperties xmlns="http://schemas.microsoft.com/sharepoint/v3" xsi:nil="true"/>
-    <lcf76f155ced4ddcb4097134ff3c332f xmlns="71af3243-3dd4-4a8d-8c0d-dd76da1f02a5">
-      <Terms xmlns="http://schemas.microsoft.com/office/infopath/2007/PartnerControls"/>
-    </lcf76f155ced4ddcb4097134ff3c332f>
-    <TaxCatchAll xmlns="230e9df3-be65-4c73-a93b-d1236ebd677e"/>
-    <MediaServiceKeyPoints xmlns="71af3243-3dd4-4a8d-8c0d-dd76da1f02a5" xsi:nil="true"/>
-  </documentManagement>
-</p:properties>
-</file>
-
 <file path=customXml/item3.xml><?xml version="1.0" encoding="utf-8"?>
 <?mso-contentType ?>
 <FormTemplates xmlns="http://schemas.microsoft.com/sharepoint/v3/contenttype/forms">
@@ -21270,6 +21440,18 @@
 </file>
 
 <file path=customXml/itemProps1.xml><?xml version="1.0" encoding="utf-8"?>
+<ds:datastoreItem xmlns:ds="http://schemas.openxmlformats.org/officeDocument/2006/customXml" ds:itemID="{50811A92-D464-4AC4-A396-BA73B10CEEAC}">
+  <ds:schemaRefs>
+    <ds:schemaRef ds:uri="http://schemas.microsoft.com/office/2006/metadata/properties"/>
+    <ds:schemaRef ds:uri="http://schemas.microsoft.com/office/infopath/2007/PartnerControls"/>
+    <ds:schemaRef ds:uri="http://schemas.microsoft.com/sharepoint/v3"/>
+    <ds:schemaRef ds:uri="71af3243-3dd4-4a8d-8c0d-dd76da1f02a5"/>
+    <ds:schemaRef ds:uri="230e9df3-be65-4c73-a93b-d1236ebd677e"/>
+  </ds:schemaRefs>
+</ds:datastoreItem>
+</file>
+
+<file path=customXml/itemProps2.xml><?xml version="1.0" encoding="utf-8"?>
 <ds:datastoreItem xmlns:ds="http://schemas.openxmlformats.org/officeDocument/2006/customXml" ds:itemID="{DE4876F9-7AE1-498D-B8FE-1E3AD703D2AF}">
   <ds:schemaRefs>
     <ds:schemaRef ds:uri="http://schemas.microsoft.com/office/2006/metadata/contentType"/>
@@ -21290,18 +21472,6 @@
 </ds:datastoreItem>
 </file>
 
-<file path=customXml/itemProps2.xml><?xml version="1.0" encoding="utf-8"?>
-<ds:datastoreItem xmlns:ds="http://schemas.openxmlformats.org/officeDocument/2006/customXml" ds:itemID="{50811A92-D464-4AC4-A396-BA73B10CEEAC}">
-  <ds:schemaRefs>
-    <ds:schemaRef ds:uri="http://schemas.microsoft.com/office/2006/metadata/properties"/>
-    <ds:schemaRef ds:uri="http://schemas.microsoft.com/office/infopath/2007/PartnerControls"/>
-    <ds:schemaRef ds:uri="http://schemas.microsoft.com/sharepoint/v3"/>
-    <ds:schemaRef ds:uri="71af3243-3dd4-4a8d-8c0d-dd76da1f02a5"/>
-    <ds:schemaRef ds:uri="230e9df3-be65-4c73-a93b-d1236ebd677e"/>
-  </ds:schemaRefs>
-</ds:datastoreItem>
-</file>
-
 <file path=customXml/itemProps3.xml><?xml version="1.0" encoding="utf-8"?>
 <ds:datastoreItem xmlns:ds="http://schemas.openxmlformats.org/officeDocument/2006/customXml" ds:itemID="{904751AB-E840-446F-8D49-E697067EC887}">
   <ds:schemaRefs>
